--- a/Final_Project/Blue_Team_Assignment_11-2 .pptx
+++ b/Final_Project/Blue_Team_Assignment_11-2 .pptx
@@ -350,7 +350,7 @@
           <a:p>
             <a:fld id="{BD7CFBD1-0358-4DBD-A3C8-C700BA589B66}" type="datetimeFigureOut">
               <a:rPr lang="en-US" smtClean="0"/>
-              <a:t>12/15/25</a:t>
+              <a:t>12/17/25</a:t>
             </a:fld>
             <a:endParaRPr lang="en-US"/>
           </a:p>
@@ -1122,7 +1122,7 @@
           <a:p>
             <a:fld id="{53BEF823-48A5-43FC-BE03-E79964288B41}" type="datetimeFigureOut">
               <a:rPr lang="en-US" smtClean="0"/>
-              <a:t>12/15/25</a:t>
+              <a:t>12/17/25</a:t>
             </a:fld>
             <a:endParaRPr lang="en-US" dirty="0"/>
           </a:p>
@@ -1333,7 +1333,7 @@
             <a:fld id="{53BEF823-48A5-43FC-BE03-E79964288B41}" type="datetimeFigureOut">
               <a:rPr lang="en-US" smtClean="0"/>
               <a:pPr algn="r"/>
-              <a:t>12/15/25</a:t>
+              <a:t>12/17/25</a:t>
             </a:fld>
             <a:endParaRPr lang="en-US" dirty="0"/>
           </a:p>
@@ -1548,7 +1548,7 @@
             <a:fld id="{53BEF823-48A5-43FC-BE03-E79964288B41}" type="datetimeFigureOut">
               <a:rPr lang="en-US" smtClean="0"/>
               <a:pPr algn="r"/>
-              <a:t>12/15/25</a:t>
+              <a:t>12/17/25</a:t>
             </a:fld>
             <a:endParaRPr lang="en-US" dirty="0"/>
           </a:p>
@@ -1751,7 +1751,7 @@
             <a:fld id="{53BEF823-48A5-43FC-BE03-E79964288B41}" type="datetimeFigureOut">
               <a:rPr lang="en-US" smtClean="0"/>
               <a:pPr algn="r"/>
-              <a:t>12/15/25</a:t>
+              <a:t>12/17/25</a:t>
             </a:fld>
             <a:endParaRPr lang="en-US" dirty="0"/>
           </a:p>
@@ -2035,7 +2035,7 @@
             <a:fld id="{53BEF823-48A5-43FC-BE03-E79964288B41}" type="datetimeFigureOut">
               <a:rPr lang="en-US" smtClean="0"/>
               <a:pPr algn="r"/>
-              <a:t>12/15/25</a:t>
+              <a:t>12/17/25</a:t>
             </a:fld>
             <a:endParaRPr lang="en-US" dirty="0"/>
           </a:p>
@@ -2279,7 +2279,7 @@
             <a:fld id="{53BEF823-48A5-43FC-BE03-E79964288B41}" type="datetimeFigureOut">
               <a:rPr lang="en-US" smtClean="0"/>
               <a:pPr algn="r"/>
-              <a:t>12/15/25</a:t>
+              <a:t>12/17/25</a:t>
             </a:fld>
             <a:endParaRPr lang="en-US" dirty="0"/>
           </a:p>
@@ -2722,7 +2722,7 @@
             <a:fld id="{53BEF823-48A5-43FC-BE03-E79964288B41}" type="datetimeFigureOut">
               <a:rPr lang="en-US" smtClean="0"/>
               <a:pPr algn="r"/>
-              <a:t>12/15/25</a:t>
+              <a:t>12/17/25</a:t>
             </a:fld>
             <a:endParaRPr lang="en-US" dirty="0"/>
           </a:p>
@@ -2868,7 +2868,7 @@
             <a:fld id="{53BEF823-48A5-43FC-BE03-E79964288B41}" type="datetimeFigureOut">
               <a:rPr lang="en-US" smtClean="0"/>
               <a:pPr algn="r"/>
-              <a:t>12/15/25</a:t>
+              <a:t>12/17/25</a:t>
             </a:fld>
             <a:endParaRPr lang="en-US" dirty="0"/>
           </a:p>
@@ -2986,7 +2986,7 @@
             <a:fld id="{53BEF823-48A5-43FC-BE03-E79964288B41}" type="datetimeFigureOut">
               <a:rPr lang="en-US" smtClean="0"/>
               <a:pPr algn="r"/>
-              <a:t>12/15/25</a:t>
+              <a:t>12/17/25</a:t>
             </a:fld>
             <a:endParaRPr lang="en-US" dirty="0"/>
           </a:p>
@@ -3270,7 +3270,7 @@
             <a:fld id="{53BEF823-48A5-43FC-BE03-E79964288B41}" type="datetimeFigureOut">
               <a:rPr lang="en-US" smtClean="0"/>
               <a:pPr algn="r"/>
-              <a:t>12/15/25</a:t>
+              <a:t>12/17/25</a:t>
             </a:fld>
             <a:endParaRPr lang="en-US" dirty="0"/>
           </a:p>
@@ -3565,7 +3565,7 @@
             <a:fld id="{53BEF823-48A5-43FC-BE03-E79964288B41}" type="datetimeFigureOut">
               <a:rPr lang="en-US" smtClean="0"/>
               <a:pPr algn="r"/>
-              <a:t>12/15/25</a:t>
+              <a:t>12/17/25</a:t>
             </a:fld>
             <a:endParaRPr lang="en-US" dirty="0"/>
           </a:p>
@@ -4060,7 +4060,7 @@
             <a:fld id="{53BEF823-48A5-43FC-BE03-E79964288B41}" type="datetimeFigureOut">
               <a:rPr lang="en-US" smtClean="0"/>
               <a:pPr algn="r"/>
-              <a:t>12/15/25</a:t>
+              <a:t>12/17/25</a:t>
             </a:fld>
             <a:endParaRPr lang="en-US" dirty="0"/>
           </a:p>
@@ -5191,10 +5191,10 @@
       </p:sp>
       <p:pic>
         <p:nvPicPr>
-          <p:cNvPr id="8" name="Picture 7" descr="A screenshot of a computer screen&#10;&#10;AI-generated content may be incorrect.">
-            <a:extLst>
-              <a:ext uri="{FF2B5EF4-FFF2-40B4-BE49-F238E27FC236}">
-                <a16:creationId xmlns:a16="http://schemas.microsoft.com/office/drawing/2014/main" id="{58329C67-8ABB-23E0-A6E9-9709B242F670}"/>
+          <p:cNvPr id="5" name="Picture 4" descr="A screenshot of a computer screen&#10;&#10;AI-generated content may be incorrect.">
+            <a:extLst>
+              <a:ext uri="{FF2B5EF4-FFF2-40B4-BE49-F238E27FC236}">
+                <a16:creationId xmlns:a16="http://schemas.microsoft.com/office/drawing/2014/main" id="{F23F8FF3-1BA8-FF20-DE1E-D3FC0EE29D43}"/>
               </a:ext>
             </a:extLst>
           </p:cNvPr>
@@ -5211,8 +5211,8 @@
         </p:blipFill>
         <p:spPr>
           <a:xfrm>
-            <a:off x="5633544" y="995703"/>
-            <a:ext cx="6353088" cy="3576298"/>
+            <a:off x="5633544" y="1011474"/>
+            <a:ext cx="6404958" cy="3581548"/>
           </a:xfrm>
           <a:prstGeom prst="rect">
             <a:avLst/>

--- a/Final_Project/Blue_Team_Assignment_11-2 .pptx
+++ b/Final_Project/Blue_Team_Assignment_11-2 .pptx
@@ -350,7 +350,7 @@
           <a:p>
             <a:fld id="{BD7CFBD1-0358-4DBD-A3C8-C700BA589B66}" type="datetimeFigureOut">
               <a:rPr lang="en-US" smtClean="0"/>
-              <a:t>12/17/25</a:t>
+              <a:t>12/17/2025</a:t>
             </a:fld>
             <a:endParaRPr lang="en-US"/>
           </a:p>
@@ -1122,7 +1122,7 @@
           <a:p>
             <a:fld id="{53BEF823-48A5-43FC-BE03-E79964288B41}" type="datetimeFigureOut">
               <a:rPr lang="en-US" smtClean="0"/>
-              <a:t>12/17/25</a:t>
+              <a:t>12/17/2025</a:t>
             </a:fld>
             <a:endParaRPr lang="en-US" dirty="0"/>
           </a:p>
@@ -1333,7 +1333,7 @@
             <a:fld id="{53BEF823-48A5-43FC-BE03-E79964288B41}" type="datetimeFigureOut">
               <a:rPr lang="en-US" smtClean="0"/>
               <a:pPr algn="r"/>
-              <a:t>12/17/25</a:t>
+              <a:t>12/17/2025</a:t>
             </a:fld>
             <a:endParaRPr lang="en-US" dirty="0"/>
           </a:p>
@@ -1548,7 +1548,7 @@
             <a:fld id="{53BEF823-48A5-43FC-BE03-E79964288B41}" type="datetimeFigureOut">
               <a:rPr lang="en-US" smtClean="0"/>
               <a:pPr algn="r"/>
-              <a:t>12/17/25</a:t>
+              <a:t>12/17/2025</a:t>
             </a:fld>
             <a:endParaRPr lang="en-US" dirty="0"/>
           </a:p>
@@ -1751,7 +1751,7 @@
             <a:fld id="{53BEF823-48A5-43FC-BE03-E79964288B41}" type="datetimeFigureOut">
               <a:rPr lang="en-US" smtClean="0"/>
               <a:pPr algn="r"/>
-              <a:t>12/17/25</a:t>
+              <a:t>12/17/2025</a:t>
             </a:fld>
             <a:endParaRPr lang="en-US" dirty="0"/>
           </a:p>
@@ -2035,7 +2035,7 @@
             <a:fld id="{53BEF823-48A5-43FC-BE03-E79964288B41}" type="datetimeFigureOut">
               <a:rPr lang="en-US" smtClean="0"/>
               <a:pPr algn="r"/>
-              <a:t>12/17/25</a:t>
+              <a:t>12/17/2025</a:t>
             </a:fld>
             <a:endParaRPr lang="en-US" dirty="0"/>
           </a:p>
@@ -2279,7 +2279,7 @@
             <a:fld id="{53BEF823-48A5-43FC-BE03-E79964288B41}" type="datetimeFigureOut">
               <a:rPr lang="en-US" smtClean="0"/>
               <a:pPr algn="r"/>
-              <a:t>12/17/25</a:t>
+              <a:t>12/17/2025</a:t>
             </a:fld>
             <a:endParaRPr lang="en-US" dirty="0"/>
           </a:p>
@@ -2722,7 +2722,7 @@
             <a:fld id="{53BEF823-48A5-43FC-BE03-E79964288B41}" type="datetimeFigureOut">
               <a:rPr lang="en-US" smtClean="0"/>
               <a:pPr algn="r"/>
-              <a:t>12/17/25</a:t>
+              <a:t>12/17/2025</a:t>
             </a:fld>
             <a:endParaRPr lang="en-US" dirty="0"/>
           </a:p>
@@ -2868,7 +2868,7 @@
             <a:fld id="{53BEF823-48A5-43FC-BE03-E79964288B41}" type="datetimeFigureOut">
               <a:rPr lang="en-US" smtClean="0"/>
               <a:pPr algn="r"/>
-              <a:t>12/17/25</a:t>
+              <a:t>12/17/2025</a:t>
             </a:fld>
             <a:endParaRPr lang="en-US" dirty="0"/>
           </a:p>
@@ -2986,7 +2986,7 @@
             <a:fld id="{53BEF823-48A5-43FC-BE03-E79964288B41}" type="datetimeFigureOut">
               <a:rPr lang="en-US" smtClean="0"/>
               <a:pPr algn="r"/>
-              <a:t>12/17/25</a:t>
+              <a:t>12/17/2025</a:t>
             </a:fld>
             <a:endParaRPr lang="en-US" dirty="0"/>
           </a:p>
@@ -3270,7 +3270,7 @@
             <a:fld id="{53BEF823-48A5-43FC-BE03-E79964288B41}" type="datetimeFigureOut">
               <a:rPr lang="en-US" smtClean="0"/>
               <a:pPr algn="r"/>
-              <a:t>12/17/25</a:t>
+              <a:t>12/17/2025</a:t>
             </a:fld>
             <a:endParaRPr lang="en-US" dirty="0"/>
           </a:p>
@@ -3565,7 +3565,7 @@
             <a:fld id="{53BEF823-48A5-43FC-BE03-E79964288B41}" type="datetimeFigureOut">
               <a:rPr lang="en-US" smtClean="0"/>
               <a:pPr algn="r"/>
-              <a:t>12/17/25</a:t>
+              <a:t>12/17/2025</a:t>
             </a:fld>
             <a:endParaRPr lang="en-US" dirty="0"/>
           </a:p>
@@ -4060,7 +4060,7 @@
             <a:fld id="{53BEF823-48A5-43FC-BE03-E79964288B41}" type="datetimeFigureOut">
               <a:rPr lang="en-US" smtClean="0"/>
               <a:pPr algn="r"/>
-              <a:t>12/17/25</a:t>
+              <a:t>12/17/2025</a:t>
             </a:fld>
             <a:endParaRPr lang="en-US" dirty="0"/>
           </a:p>
@@ -9735,37 +9735,6 @@
           </a:prstGeom>
         </p:spPr>
       </p:pic>
-      <p:pic>
-        <p:nvPicPr>
-          <p:cNvPr id="8" name="Picture 7" descr="A screenshot of a computer&#10;&#10;AI-generated content may be incorrect.">
-            <a:extLst>
-              <a:ext uri="{FF2B5EF4-FFF2-40B4-BE49-F238E27FC236}">
-                <a16:creationId xmlns:a16="http://schemas.microsoft.com/office/drawing/2014/main" id="{6FA22AD2-37FC-628F-5F55-4E693F52E8F0}"/>
-              </a:ext>
-            </a:extLst>
-          </p:cNvPr>
-          <p:cNvPicPr>
-            <a:picLocks noChangeAspect="1"/>
-          </p:cNvPicPr>
-          <p:nvPr/>
-        </p:nvPicPr>
-        <p:blipFill>
-          <a:blip r:embed="rId3"/>
-          <a:srcRect r="28631"/>
-          <a:stretch>
-            <a:fillRect/>
-          </a:stretch>
-        </p:blipFill>
-        <p:spPr>
-          <a:xfrm>
-            <a:off x="4620296" y="1501194"/>
-            <a:ext cx="3242362" cy="3986166"/>
-          </a:xfrm>
-          <a:prstGeom prst="rect">
-            <a:avLst/>
-          </a:prstGeom>
-        </p:spPr>
-      </p:pic>
       <p:sp>
         <p:nvSpPr>
           <p:cNvPr id="9" name="TextBox 8">
@@ -9814,6 +9783,36 @@
           </a:p>
         </p:txBody>
       </p:sp>
+      <p:pic>
+        <p:nvPicPr>
+          <p:cNvPr id="4" name="Picture 3">
+            <a:extLst>
+              <a:ext uri="{FF2B5EF4-FFF2-40B4-BE49-F238E27FC236}">
+                <a16:creationId xmlns:a16="http://schemas.microsoft.com/office/drawing/2014/main" id="{7C198F6D-64CC-31AA-29A8-F82CC165BBD6}"/>
+              </a:ext>
+            </a:extLst>
+          </p:cNvPr>
+          <p:cNvPicPr>
+            <a:picLocks noChangeAspect="1"/>
+          </p:cNvPicPr>
+          <p:nvPr/>
+        </p:nvPicPr>
+        <p:blipFill>
+          <a:blip r:embed="rId3"/>
+          <a:stretch>
+            <a:fillRect/>
+          </a:stretch>
+        </p:blipFill>
+        <p:spPr>
+          <a:xfrm>
+            <a:off x="4530364" y="1501194"/>
+            <a:ext cx="3332294" cy="3855611"/>
+          </a:xfrm>
+          <a:prstGeom prst="rect">
+            <a:avLst/>
+          </a:prstGeom>
+        </p:spPr>
+      </p:pic>
     </p:spTree>
     <p:extLst>
       <p:ext uri="{BB962C8B-B14F-4D97-AF65-F5344CB8AC3E}">

--- a/Final_Project/Blue_Team_Assignment_11-2 .pptx
+++ b/Final_Project/Blue_Team_Assignment_11-2 .pptx
@@ -5542,10 +5542,10 @@
       </p:sp>
       <p:pic>
         <p:nvPicPr>
-          <p:cNvPr id="4" name="Picture 3" descr="A computer screen shot of a black screen&#10;&#10;AI-generated content may be incorrect.">
-            <a:extLst>
-              <a:ext uri="{FF2B5EF4-FFF2-40B4-BE49-F238E27FC236}">
-                <a16:creationId xmlns:a16="http://schemas.microsoft.com/office/drawing/2014/main" id="{B9C3FDAE-CBEA-B9BE-7B1B-9890E326EA73}"/>
+          <p:cNvPr id="8" name="Picture 7">
+            <a:extLst>
+              <a:ext uri="{FF2B5EF4-FFF2-40B4-BE49-F238E27FC236}">
+                <a16:creationId xmlns:a16="http://schemas.microsoft.com/office/drawing/2014/main" id="{E58166B4-2188-5027-60E6-37686269A291}"/>
               </a:ext>
             </a:extLst>
           </p:cNvPr>
@@ -5562,8 +5562,8 @@
         </p:blipFill>
         <p:spPr>
           <a:xfrm>
-            <a:off x="1195915" y="1628438"/>
-            <a:ext cx="4900085" cy="4762913"/>
+            <a:off x="6705455" y="1587332"/>
+            <a:ext cx="4267345" cy="4731749"/>
           </a:xfrm>
           <a:prstGeom prst="rect">
             <a:avLst/>
@@ -5572,10 +5572,10 @@
       </p:pic>
       <p:pic>
         <p:nvPicPr>
-          <p:cNvPr id="6" name="Picture 5" descr="A screenshot of a computer program&#10;&#10;AI-generated content may be incorrect.">
-            <a:extLst>
-              <a:ext uri="{FF2B5EF4-FFF2-40B4-BE49-F238E27FC236}">
-                <a16:creationId xmlns:a16="http://schemas.microsoft.com/office/drawing/2014/main" id="{42805491-C4D7-3DA6-110D-E895F92D6077}"/>
+          <p:cNvPr id="10" name="Picture 9">
+            <a:extLst>
+              <a:ext uri="{FF2B5EF4-FFF2-40B4-BE49-F238E27FC236}">
+                <a16:creationId xmlns:a16="http://schemas.microsoft.com/office/drawing/2014/main" id="{AA3C2240-0C64-2C9C-13D7-48DDD36F9E7B}"/>
               </a:ext>
             </a:extLst>
           </p:cNvPr>
@@ -5592,8 +5592,8 @@
         </p:blipFill>
         <p:spPr>
           <a:xfrm>
-            <a:off x="6659693" y="1628438"/>
-            <a:ext cx="4208934" cy="4762913"/>
+            <a:off x="758951" y="1587331"/>
+            <a:ext cx="5658641" cy="4731749"/>
           </a:xfrm>
           <a:prstGeom prst="rect">
             <a:avLst/>
@@ -9705,12 +9705,60 @@
           </a:p>
         </p:txBody>
       </p:sp>
+      <p:sp>
+        <p:nvSpPr>
+          <p:cNvPr id="9" name="TextBox 8">
+            <a:extLst>
+              <a:ext uri="{FF2B5EF4-FFF2-40B4-BE49-F238E27FC236}">
+                <a16:creationId xmlns:a16="http://schemas.microsoft.com/office/drawing/2014/main" id="{342268BF-72C9-3F2E-A87E-04F0214403FA}"/>
+              </a:ext>
+            </a:extLst>
+          </p:cNvPr>
+          <p:cNvSpPr txBox="1"/>
+          <p:nvPr/>
+        </p:nvSpPr>
+        <p:spPr>
+          <a:xfrm>
+            <a:off x="8217568" y="1612232"/>
+            <a:ext cx="3284621" cy="3693319"/>
+          </a:xfrm>
+          <a:prstGeom prst="rect">
+            <a:avLst/>
+          </a:prstGeom>
+          <a:noFill/>
+        </p:spPr>
+        <p:txBody>
+          <a:bodyPr wrap="square" rtlCol="0">
+            <a:spAutoFit/>
+          </a:bodyPr>
+          <a:lstStyle/>
+          <a:p>
+            <a:r>
+              <a:rPr lang="en-US" dirty="0"/>
+              <a:t>This report provides data in three tables: the first table shows the wines carried by the distributors, the second shows the total amount sold for each type of wine, and the third table shows which wines haven’t sold at all.</a:t>
+            </a:r>
+          </a:p>
+          <a:p>
+            <a:endParaRPr lang="en-US" dirty="0"/>
+          </a:p>
+          <a:p>
+            <a:r>
+              <a:rPr lang="en-US" b="1" u="sng" dirty="0"/>
+              <a:t>Use case</a:t>
+            </a:r>
+            <a:r>
+              <a:rPr lang="en-US" dirty="0"/>
+              <a:t>: Bacchus Winery can use this report for quick insight into which of their wines are best sellers.</a:t>
+            </a:r>
+          </a:p>
+        </p:txBody>
+      </p:sp>
       <p:pic>
         <p:nvPicPr>
-          <p:cNvPr id="5" name="Picture 4" descr="A screenshot of a computer&#10;&#10;AI-generated content may be incorrect.">
-            <a:extLst>
-              <a:ext uri="{FF2B5EF4-FFF2-40B4-BE49-F238E27FC236}">
-                <a16:creationId xmlns:a16="http://schemas.microsoft.com/office/drawing/2014/main" id="{F57F2904-5A43-ED80-FB31-4DE37A26BECE}"/>
+          <p:cNvPr id="6" name="Picture 5">
+            <a:extLst>
+              <a:ext uri="{FF2B5EF4-FFF2-40B4-BE49-F238E27FC236}">
+                <a16:creationId xmlns:a16="http://schemas.microsoft.com/office/drawing/2014/main" id="{C5934E80-9F24-C37A-0A40-52D0C979A834}"/>
               </a:ext>
             </a:extLst>
           </p:cNvPr>
@@ -9727,68 +9775,20 @@
         </p:blipFill>
         <p:spPr>
           <a:xfrm>
-            <a:off x="473733" y="1501194"/>
-            <a:ext cx="3855611" cy="3855611"/>
+            <a:off x="4699561" y="1612232"/>
+            <a:ext cx="3098239" cy="4047810"/>
           </a:xfrm>
           <a:prstGeom prst="rect">
             <a:avLst/>
           </a:prstGeom>
         </p:spPr>
       </p:pic>
-      <p:sp>
-        <p:nvSpPr>
-          <p:cNvPr id="9" name="TextBox 8">
-            <a:extLst>
-              <a:ext uri="{FF2B5EF4-FFF2-40B4-BE49-F238E27FC236}">
-                <a16:creationId xmlns:a16="http://schemas.microsoft.com/office/drawing/2014/main" id="{342268BF-72C9-3F2E-A87E-04F0214403FA}"/>
-              </a:ext>
-            </a:extLst>
-          </p:cNvPr>
-          <p:cNvSpPr txBox="1"/>
-          <p:nvPr/>
-        </p:nvSpPr>
-        <p:spPr>
-          <a:xfrm>
-            <a:off x="8217568" y="1612232"/>
-            <a:ext cx="3284621" cy="3693319"/>
-          </a:xfrm>
-          <a:prstGeom prst="rect">
-            <a:avLst/>
-          </a:prstGeom>
-          <a:noFill/>
-        </p:spPr>
-        <p:txBody>
-          <a:bodyPr wrap="square" rtlCol="0">
-            <a:spAutoFit/>
-          </a:bodyPr>
-          <a:lstStyle/>
-          <a:p>
-            <a:r>
-              <a:rPr lang="en-US" dirty="0"/>
-              <a:t>This report provides data in three tables: the first table shows the wines carried by the distributors, the second shows the total amount sold for each type of wine, and the third table shows which wines haven’t sold at all.</a:t>
-            </a:r>
-          </a:p>
-          <a:p>
-            <a:endParaRPr lang="en-US" dirty="0"/>
-          </a:p>
-          <a:p>
-            <a:r>
-              <a:rPr lang="en-US" b="1" u="sng" dirty="0"/>
-              <a:t>Use case</a:t>
-            </a:r>
-            <a:r>
-              <a:rPr lang="en-US" dirty="0"/>
-              <a:t>: Bacchus Winery can use this report for quick insight into which of their wines are best sellers.</a:t>
-            </a:r>
-          </a:p>
-        </p:txBody>
-      </p:sp>
       <p:pic>
         <p:nvPicPr>
-          <p:cNvPr id="4" name="Picture 3">
-            <a:extLst>
-              <a:ext uri="{FF2B5EF4-FFF2-40B4-BE49-F238E27FC236}">
-                <a16:creationId xmlns:a16="http://schemas.microsoft.com/office/drawing/2014/main" id="{7C198F6D-64CC-31AA-29A8-F82CC165BBD6}"/>
+          <p:cNvPr id="8" name="Picture 7">
+            <a:extLst>
+              <a:ext uri="{FF2B5EF4-FFF2-40B4-BE49-F238E27FC236}">
+                <a16:creationId xmlns:a16="http://schemas.microsoft.com/office/drawing/2014/main" id="{71115232-B8C7-A171-A693-A778BE6416C9}"/>
               </a:ext>
             </a:extLst>
           </p:cNvPr>
@@ -9805,8 +9805,8 @@
         </p:blipFill>
         <p:spPr>
           <a:xfrm>
-            <a:off x="4530364" y="1501194"/>
-            <a:ext cx="3332294" cy="3855611"/>
+            <a:off x="508937" y="1612232"/>
+            <a:ext cx="3910663" cy="4047810"/>
           </a:xfrm>
           <a:prstGeom prst="rect">
             <a:avLst/>
